--- a/Semestre2/bases_datos/Presentación.pptx
+++ b/Semestre2/bases_datos/Presentación.pptx
@@ -149,7 +149,7 @@
   <pc:docChgLst>
     <pc:chgData name="Alejandro Nathanael Martin del Campo Barba" userId="edab49d7-fa66-4b0b-a4f7-b27347917bd5" providerId="ADAL" clId="{73C57FDD-42B8-47AB-877B-CC926BDC0A37}"/>
     <pc:docChg chg="undo custSel addSld delSld modSld sldOrd">
-      <pc:chgData name="Alejandro Nathanael Martin del Campo Barba" userId="edab49d7-fa66-4b0b-a4f7-b27347917bd5" providerId="ADAL" clId="{73C57FDD-42B8-47AB-877B-CC926BDC0A37}" dt="2023-05-07T07:15:59.049" v="4164" actId="1076"/>
+      <pc:chgData name="Alejandro Nathanael Martin del Campo Barba" userId="edab49d7-fa66-4b0b-a4f7-b27347917bd5" providerId="ADAL" clId="{73C57FDD-42B8-47AB-877B-CC926BDC0A37}" dt="2023-05-07T15:18:24.736" v="4216" actId="6549"/>
       <pc:docMkLst>
         <pc:docMk/>
       </pc:docMkLst>
@@ -1306,13 +1306,13 @@
         </pc:picChg>
       </pc:sldChg>
       <pc:sldChg chg="addSp delSp modSp add mod setBg">
-        <pc:chgData name="Alejandro Nathanael Martin del Campo Barba" userId="edab49d7-fa66-4b0b-a4f7-b27347917bd5" providerId="ADAL" clId="{73C57FDD-42B8-47AB-877B-CC926BDC0A37}" dt="2023-05-07T07:15:59.049" v="4164" actId="1076"/>
+        <pc:chgData name="Alejandro Nathanael Martin del Campo Barba" userId="edab49d7-fa66-4b0b-a4f7-b27347917bd5" providerId="ADAL" clId="{73C57FDD-42B8-47AB-877B-CC926BDC0A37}" dt="2023-05-07T15:18:24.736" v="4216" actId="6549"/>
         <pc:sldMkLst>
           <pc:docMk/>
           <pc:sldMk cId="3613084036" sldId="287"/>
         </pc:sldMkLst>
         <pc:spChg chg="add mod">
-          <ac:chgData name="Alejandro Nathanael Martin del Campo Barba" userId="edab49d7-fa66-4b0b-a4f7-b27347917bd5" providerId="ADAL" clId="{73C57FDD-42B8-47AB-877B-CC926BDC0A37}" dt="2023-05-07T07:15:56.321" v="4163" actId="20577"/>
+          <ac:chgData name="Alejandro Nathanael Martin del Campo Barba" userId="edab49d7-fa66-4b0b-a4f7-b27347917bd5" providerId="ADAL" clId="{73C57FDD-42B8-47AB-877B-CC926BDC0A37}" dt="2023-05-07T15:18:24.736" v="4216" actId="6549"/>
           <ac:spMkLst>
             <pc:docMk/>
             <pc:sldMk cId="3613084036" sldId="287"/>
@@ -1375,12 +1375,20 @@
             <ac:picMk id="4" creationId="{44E4565C-1E8D-A3C3-47C2-78E325B0EE2D}"/>
           </ac:picMkLst>
         </pc:picChg>
-        <pc:picChg chg="add mod">
-          <ac:chgData name="Alejandro Nathanael Martin del Campo Barba" userId="edab49d7-fa66-4b0b-a4f7-b27347917bd5" providerId="ADAL" clId="{73C57FDD-42B8-47AB-877B-CC926BDC0A37}" dt="2023-05-07T07:15:59.049" v="4164" actId="1076"/>
+        <pc:picChg chg="add del mod">
+          <ac:chgData name="Alejandro Nathanael Martin del Campo Barba" userId="edab49d7-fa66-4b0b-a4f7-b27347917bd5" providerId="ADAL" clId="{73C57FDD-42B8-47AB-877B-CC926BDC0A37}" dt="2023-05-07T15:17:53.438" v="4165" actId="478"/>
           <ac:picMkLst>
             <pc:docMk/>
             <pc:sldMk cId="3613084036" sldId="287"/>
             <ac:picMk id="4" creationId="{C561B03D-17F2-7216-78C1-48691C38A106}"/>
+          </ac:picMkLst>
+        </pc:picChg>
+        <pc:picChg chg="add mod">
+          <ac:chgData name="Alejandro Nathanael Martin del Campo Barba" userId="edab49d7-fa66-4b0b-a4f7-b27347917bd5" providerId="ADAL" clId="{73C57FDD-42B8-47AB-877B-CC926BDC0A37}" dt="2023-05-07T15:18:02.451" v="4170" actId="1076"/>
+          <ac:picMkLst>
+            <pc:docMk/>
+            <pc:sldMk cId="3613084036" sldId="287"/>
+            <ac:picMk id="5" creationId="{646F47F7-9A8D-91BD-66A2-8B057408593A}"/>
           </ac:picMkLst>
         </pc:picChg>
         <pc:picChg chg="del mod">
@@ -15314,7 +15322,7 @@
                 <a:latin typeface="Roboto" panose="02000000000000000000" pitchFamily="2" charset="0"/>
                 <a:cs typeface="Arial" panose="020B0604020202020204" pitchFamily="34" charset="0"/>
               </a:rPr>
-              <a:t>Los lunes se tiene un nivel menor de CO, y los viernes y sábado se alcanzan los picos mas altos</a:t>
+              <a:t>Los domingos se tiene un nivel menor de CO, y los jueves y viernes se alcanzan los picos mas altos</a:t>
             </a:r>
           </a:p>
           <a:p>
@@ -15328,10 +15336,10 @@
       </p:sp>
       <p:pic>
         <p:nvPicPr>
-          <p:cNvPr id="4" name="Imagen 3">
+          <p:cNvPr id="5" name="Imagen 4">
             <a:extLst>
               <a:ext uri="{FF2B5EF4-FFF2-40B4-BE49-F238E27FC236}">
-                <a16:creationId xmlns:a16="http://schemas.microsoft.com/office/drawing/2014/main" id="{C561B03D-17F2-7216-78C1-48691C38A106}"/>
+                <a16:creationId xmlns:a16="http://schemas.microsoft.com/office/drawing/2014/main" id="{646F47F7-9A8D-91BD-66A2-8B057408593A}"/>
               </a:ext>
             </a:extLst>
           </p:cNvPr>
@@ -15348,8 +15356,8 @@
         </p:blipFill>
         <p:spPr>
           <a:xfrm>
-            <a:off x="2053212" y="4582916"/>
-            <a:ext cx="8439904" cy="2096705"/>
+            <a:off x="1720711" y="4481609"/>
+            <a:ext cx="8750575" cy="2198012"/>
           </a:xfrm>
           <a:prstGeom prst="rect">
             <a:avLst/>
